--- a/project1.pptx
+++ b/project1.pptx
@@ -30,8 +30,9 @@
     <p:sldId id="278" r:id="rId24"/>
     <p:sldId id="279" r:id="rId25"/>
     <p:sldId id="281" r:id="rId26"/>
-    <p:sldId id="283" r:id="rId27"/>
-    <p:sldId id="280" r:id="rId28"/>
+    <p:sldId id="285" r:id="rId27"/>
+    <p:sldId id="283" r:id="rId28"/>
+    <p:sldId id="280" r:id="rId29"/>
   </p:sldIdLst>
   <p:sldSz cx="12192000" cy="6858000"/>
   <p:notesSz cx="6858000" cy="9144000"/>
@@ -188,7 +189,7 @@
           <a:noFill/>
           <a:extLst>
             <a:ext uri="{909E8E84-426E-40dd-AFC4-6F175D3DCCD1}">
-              <a14:hiddenFill xmlns="" xmlns:a14="http://schemas.microsoft.com/office/drawing/2010/main">
+              <a14:hiddenFill xmlns:a14="http://schemas.microsoft.com/office/drawing/2010/main" xmlns="">
                 <a:solidFill>
                   <a:srgbClr val="FFFFFF"/>
                 </a:solidFill>
@@ -248,7 +249,7 @@
             </a:ln>
             <a:extLst>
               <a:ext uri="{91240B29-F687-4f45-9708-019B960494DF}">
-                <a14:hiddenLine xmlns="" xmlns:a14="http://schemas.microsoft.com/office/drawing/2010/main" w="9525">
+                <a14:hiddenLine xmlns:a14="http://schemas.microsoft.com/office/drawing/2010/main" xmlns="" w="9525">
                   <a:solidFill>
                     <a:srgbClr val="000000"/>
                   </a:solidFill>
@@ -338,7 +339,7 @@
             </a:ln>
             <a:extLst>
               <a:ext uri="{91240B29-F687-4f45-9708-019B960494DF}">
-                <a14:hiddenLine xmlns="" xmlns:a14="http://schemas.microsoft.com/office/drawing/2010/main" w="9525">
+                <a14:hiddenLine xmlns:a14="http://schemas.microsoft.com/office/drawing/2010/main" xmlns="" w="9525">
                   <a:solidFill>
                     <a:srgbClr val="000000"/>
                   </a:solidFill>
@@ -428,7 +429,7 @@
             </a:ln>
             <a:extLst>
               <a:ext uri="{91240B29-F687-4f45-9708-019B960494DF}">
-                <a14:hiddenLine xmlns="" xmlns:a14="http://schemas.microsoft.com/office/drawing/2010/main" w="9525">
+                <a14:hiddenLine xmlns:a14="http://schemas.microsoft.com/office/drawing/2010/main" xmlns="" w="9525">
                   <a:solidFill>
                     <a:srgbClr val="000000"/>
                   </a:solidFill>
@@ -462,7 +463,7 @@
             </a:ln>
             <a:extLst>
               <a:ext uri="{91240B29-F687-4f45-9708-019B960494DF}">
-                <a14:hiddenLine xmlns="" xmlns:a14="http://schemas.microsoft.com/office/drawing/2010/main" w="9525">
+                <a14:hiddenLine xmlns:a14="http://schemas.microsoft.com/office/drawing/2010/main" xmlns="" w="9525">
                   <a:solidFill>
                     <a:srgbClr val="000000"/>
                   </a:solidFill>
@@ -552,7 +553,7 @@
             </a:ln>
             <a:extLst>
               <a:ext uri="{91240B29-F687-4f45-9708-019B960494DF}">
-                <a14:hiddenLine xmlns="" xmlns:a14="http://schemas.microsoft.com/office/drawing/2010/main" w="9525">
+                <a14:hiddenLine xmlns:a14="http://schemas.microsoft.com/office/drawing/2010/main" xmlns="" w="9525">
                   <a:solidFill>
                     <a:srgbClr val="000000"/>
                   </a:solidFill>
@@ -614,7 +615,7 @@
             </a:ln>
             <a:extLst>
               <a:ext uri="{91240B29-F687-4f45-9708-019B960494DF}">
-                <a14:hiddenLine xmlns="" xmlns:a14="http://schemas.microsoft.com/office/drawing/2010/main" w="9525">
+                <a14:hiddenLine xmlns:a14="http://schemas.microsoft.com/office/drawing/2010/main" xmlns="" w="9525">
                   <a:solidFill>
                     <a:srgbClr val="000000"/>
                   </a:solidFill>
@@ -676,7 +677,7 @@
             </a:ln>
             <a:extLst>
               <a:ext uri="{91240B29-F687-4f45-9708-019B960494DF}">
-                <a14:hiddenLine xmlns="" xmlns:a14="http://schemas.microsoft.com/office/drawing/2010/main" w="9525">
+                <a14:hiddenLine xmlns:a14="http://schemas.microsoft.com/office/drawing/2010/main" xmlns="" w="9525">
                   <a:solidFill>
                     <a:srgbClr val="000000"/>
                   </a:solidFill>
@@ -766,7 +767,7 @@
             </a:ln>
             <a:extLst>
               <a:ext uri="{91240B29-F687-4f45-9708-019B960494DF}">
-                <a14:hiddenLine xmlns="" xmlns:a14="http://schemas.microsoft.com/office/drawing/2010/main" w="9525">
+                <a14:hiddenLine xmlns:a14="http://schemas.microsoft.com/office/drawing/2010/main" xmlns="" w="9525">
                   <a:solidFill>
                     <a:srgbClr val="000000"/>
                   </a:solidFill>
@@ -828,7 +829,7 @@
             </a:ln>
             <a:extLst>
               <a:ext uri="{91240B29-F687-4f45-9708-019B960494DF}">
-                <a14:hiddenLine xmlns="" xmlns:a14="http://schemas.microsoft.com/office/drawing/2010/main" w="9525">
+                <a14:hiddenLine xmlns:a14="http://schemas.microsoft.com/office/drawing/2010/main" xmlns="" w="9525">
                   <a:solidFill>
                     <a:srgbClr val="000000"/>
                   </a:solidFill>
@@ -890,7 +891,7 @@
             </a:ln>
             <a:extLst>
               <a:ext uri="{91240B29-F687-4f45-9708-019B960494DF}">
-                <a14:hiddenLine xmlns="" xmlns:a14="http://schemas.microsoft.com/office/drawing/2010/main" w="9525">
+                <a14:hiddenLine xmlns:a14="http://schemas.microsoft.com/office/drawing/2010/main" xmlns="" w="9525">
                   <a:solidFill>
                     <a:srgbClr val="000000"/>
                   </a:solidFill>
@@ -980,7 +981,7 @@
             </a:ln>
             <a:extLst>
               <a:ext uri="{91240B29-F687-4f45-9708-019B960494DF}">
-                <a14:hiddenLine xmlns="" xmlns:a14="http://schemas.microsoft.com/office/drawing/2010/main" w="9525">
+                <a14:hiddenLine xmlns:a14="http://schemas.microsoft.com/office/drawing/2010/main" xmlns="" w="9525">
                   <a:solidFill>
                     <a:srgbClr val="000000"/>
                   </a:solidFill>
@@ -1070,7 +1071,7 @@
             </a:ln>
             <a:extLst>
               <a:ext uri="{91240B29-F687-4f45-9708-019B960494DF}">
-                <a14:hiddenLine xmlns="" xmlns:a14="http://schemas.microsoft.com/office/drawing/2010/main" w="9525">
+                <a14:hiddenLine xmlns:a14="http://schemas.microsoft.com/office/drawing/2010/main" xmlns="" w="9525">
                   <a:solidFill>
                     <a:srgbClr val="000000"/>
                   </a:solidFill>
@@ -1132,7 +1133,7 @@
             </a:ln>
             <a:extLst>
               <a:ext uri="{91240B29-F687-4f45-9708-019B960494DF}">
-                <a14:hiddenLine xmlns="" xmlns:a14="http://schemas.microsoft.com/office/drawing/2010/main" w="9525">
+                <a14:hiddenLine xmlns:a14="http://schemas.microsoft.com/office/drawing/2010/main" xmlns="" w="9525">
                   <a:solidFill>
                     <a:srgbClr val="000000"/>
                   </a:solidFill>
@@ -1242,7 +1243,7 @@
             </a:ln>
             <a:extLst>
               <a:ext uri="{91240B29-F687-4f45-9708-019B960494DF}">
-                <a14:hiddenLine xmlns="" xmlns:a14="http://schemas.microsoft.com/office/drawing/2010/main" w="9525">
+                <a14:hiddenLine xmlns:a14="http://schemas.microsoft.com/office/drawing/2010/main" xmlns="" w="9525">
                   <a:solidFill>
                     <a:srgbClr val="000000"/>
                   </a:solidFill>
@@ -1304,7 +1305,7 @@
             </a:ln>
             <a:extLst>
               <a:ext uri="{91240B29-F687-4f45-9708-019B960494DF}">
-                <a14:hiddenLine xmlns="" xmlns:a14="http://schemas.microsoft.com/office/drawing/2010/main" w="9525">
+                <a14:hiddenLine xmlns:a14="http://schemas.microsoft.com/office/drawing/2010/main" xmlns="" w="9525">
                   <a:solidFill>
                     <a:srgbClr val="000000"/>
                   </a:solidFill>
@@ -1394,7 +1395,7 @@
             </a:ln>
             <a:extLst>
               <a:ext uri="{91240B29-F687-4f45-9708-019B960494DF}">
-                <a14:hiddenLine xmlns="" xmlns:a14="http://schemas.microsoft.com/office/drawing/2010/main" w="9525">
+                <a14:hiddenLine xmlns:a14="http://schemas.microsoft.com/office/drawing/2010/main" xmlns="" w="9525">
                   <a:solidFill>
                     <a:srgbClr val="000000"/>
                   </a:solidFill>
@@ -1484,7 +1485,7 @@
             </a:ln>
             <a:extLst>
               <a:ext uri="{91240B29-F687-4f45-9708-019B960494DF}">
-                <a14:hiddenLine xmlns="" xmlns:a14="http://schemas.microsoft.com/office/drawing/2010/main" w="9525">
+                <a14:hiddenLine xmlns:a14="http://schemas.microsoft.com/office/drawing/2010/main" xmlns="" w="9525">
                   <a:solidFill>
                     <a:srgbClr val="000000"/>
                   </a:solidFill>
@@ -1546,7 +1547,7 @@
             </a:ln>
             <a:extLst>
               <a:ext uri="{91240B29-F687-4f45-9708-019B960494DF}">
-                <a14:hiddenLine xmlns="" xmlns:a14="http://schemas.microsoft.com/office/drawing/2010/main" w="9525">
+                <a14:hiddenLine xmlns:a14="http://schemas.microsoft.com/office/drawing/2010/main" xmlns="" w="9525">
                   <a:solidFill>
                     <a:srgbClr val="000000"/>
                   </a:solidFill>
@@ -1636,7 +1637,7 @@
             </a:ln>
             <a:extLst>
               <a:ext uri="{91240B29-F687-4f45-9708-019B960494DF}">
-                <a14:hiddenLine xmlns="" xmlns:a14="http://schemas.microsoft.com/office/drawing/2010/main" w="9525">
+                <a14:hiddenLine xmlns:a14="http://schemas.microsoft.com/office/drawing/2010/main" xmlns="" w="9525">
                   <a:solidFill>
                     <a:srgbClr val="000000"/>
                   </a:solidFill>
@@ -1726,7 +1727,7 @@
             </a:ln>
             <a:extLst>
               <a:ext uri="{91240B29-F687-4f45-9708-019B960494DF}">
-                <a14:hiddenLine xmlns="" xmlns:a14="http://schemas.microsoft.com/office/drawing/2010/main" w="9525">
+                <a14:hiddenLine xmlns:a14="http://schemas.microsoft.com/office/drawing/2010/main" xmlns="" w="9525">
                   <a:solidFill>
                     <a:srgbClr val="000000"/>
                   </a:solidFill>
@@ -1782,7 +1783,7 @@
             </a:ln>
             <a:extLst>
               <a:ext uri="{91240B29-F687-4f45-9708-019B960494DF}">
-                <a14:hiddenLine xmlns="" xmlns:a14="http://schemas.microsoft.com/office/drawing/2010/main" w="9525">
+                <a14:hiddenLine xmlns:a14="http://schemas.microsoft.com/office/drawing/2010/main" xmlns="" w="9525">
                   <a:solidFill>
                     <a:srgbClr val="000000"/>
                   </a:solidFill>
@@ -1872,7 +1873,7 @@
             </a:ln>
             <a:extLst>
               <a:ext uri="{91240B29-F687-4f45-9708-019B960494DF}">
-                <a14:hiddenLine xmlns="" xmlns:a14="http://schemas.microsoft.com/office/drawing/2010/main" w="9525">
+                <a14:hiddenLine xmlns:a14="http://schemas.microsoft.com/office/drawing/2010/main" xmlns="" w="9525">
                   <a:solidFill>
                     <a:srgbClr val="000000"/>
                   </a:solidFill>
@@ -1928,7 +1929,7 @@
             </a:ln>
             <a:extLst>
               <a:ext uri="{91240B29-F687-4f45-9708-019B960494DF}">
-                <a14:hiddenLine xmlns="" xmlns:a14="http://schemas.microsoft.com/office/drawing/2010/main" w="9525">
+                <a14:hiddenLine xmlns:a14="http://schemas.microsoft.com/office/drawing/2010/main" xmlns="" w="9525">
                   <a:solidFill>
                     <a:srgbClr val="000000"/>
                   </a:solidFill>
@@ -2018,7 +2019,7 @@
             </a:ln>
             <a:extLst>
               <a:ext uri="{91240B29-F687-4f45-9708-019B960494DF}">
-                <a14:hiddenLine xmlns="" xmlns:a14="http://schemas.microsoft.com/office/drawing/2010/main" w="9525">
+                <a14:hiddenLine xmlns:a14="http://schemas.microsoft.com/office/drawing/2010/main" xmlns="" w="9525">
                   <a:solidFill>
                     <a:srgbClr val="000000"/>
                   </a:solidFill>
@@ -2086,7 +2087,7 @@
             </a:ln>
             <a:extLst>
               <a:ext uri="{91240B29-F687-4f45-9708-019B960494DF}">
-                <a14:hiddenLine xmlns="" xmlns:a14="http://schemas.microsoft.com/office/drawing/2010/main" w="9525">
+                <a14:hiddenLine xmlns:a14="http://schemas.microsoft.com/office/drawing/2010/main" xmlns="" w="9525">
                   <a:solidFill>
                     <a:srgbClr val="000000"/>
                   </a:solidFill>
@@ -2176,7 +2177,7 @@
             </a:ln>
             <a:extLst>
               <a:ext uri="{91240B29-F687-4f45-9708-019B960494DF}">
-                <a14:hiddenLine xmlns="" xmlns:a14="http://schemas.microsoft.com/office/drawing/2010/main" w="9525">
+                <a14:hiddenLine xmlns:a14="http://schemas.microsoft.com/office/drawing/2010/main" xmlns="" w="9525">
                   <a:solidFill>
                     <a:srgbClr val="000000"/>
                   </a:solidFill>
@@ -2244,7 +2245,7 @@
             </a:ln>
             <a:extLst>
               <a:ext uri="{91240B29-F687-4f45-9708-019B960494DF}">
-                <a14:hiddenLine xmlns="" xmlns:a14="http://schemas.microsoft.com/office/drawing/2010/main" w="9525">
+                <a14:hiddenLine xmlns:a14="http://schemas.microsoft.com/office/drawing/2010/main" xmlns="" w="9525">
                   <a:solidFill>
                     <a:srgbClr val="000000"/>
                   </a:solidFill>
@@ -2334,7 +2335,7 @@
             </a:ln>
             <a:extLst>
               <a:ext uri="{91240B29-F687-4f45-9708-019B960494DF}">
-                <a14:hiddenLine xmlns="" xmlns:a14="http://schemas.microsoft.com/office/drawing/2010/main" w="9525">
+                <a14:hiddenLine xmlns:a14="http://schemas.microsoft.com/office/drawing/2010/main" xmlns="" w="9525">
                   <a:solidFill>
                     <a:srgbClr val="000000"/>
                   </a:solidFill>
@@ -2368,7 +2369,7 @@
             </a:ln>
             <a:extLst>
               <a:ext uri="{91240B29-F687-4f45-9708-019B960494DF}">
-                <a14:hiddenLine xmlns="" xmlns:a14="http://schemas.microsoft.com/office/drawing/2010/main" w="9525">
+                <a14:hiddenLine xmlns:a14="http://schemas.microsoft.com/office/drawing/2010/main" xmlns="" w="9525">
                   <a:solidFill>
                     <a:srgbClr val="000000"/>
                   </a:solidFill>
@@ -2458,7 +2459,7 @@
             </a:ln>
             <a:extLst>
               <a:ext uri="{91240B29-F687-4f45-9708-019B960494DF}">
-                <a14:hiddenLine xmlns="" xmlns:a14="http://schemas.microsoft.com/office/drawing/2010/main" w="9525">
+                <a14:hiddenLine xmlns:a14="http://schemas.microsoft.com/office/drawing/2010/main" xmlns="" w="9525">
                   <a:solidFill>
                     <a:srgbClr val="000000"/>
                   </a:solidFill>
@@ -2520,7 +2521,7 @@
             </a:ln>
             <a:extLst>
               <a:ext uri="{91240B29-F687-4f45-9708-019B960494DF}">
-                <a14:hiddenLine xmlns="" xmlns:a14="http://schemas.microsoft.com/office/drawing/2010/main" w="9525">
+                <a14:hiddenLine xmlns:a14="http://schemas.microsoft.com/office/drawing/2010/main" xmlns="" w="9525">
                   <a:solidFill>
                     <a:srgbClr val="000000"/>
                   </a:solidFill>
@@ -2582,7 +2583,7 @@
             </a:ln>
             <a:extLst>
               <a:ext uri="{91240B29-F687-4f45-9708-019B960494DF}">
-                <a14:hiddenLine xmlns="" xmlns:a14="http://schemas.microsoft.com/office/drawing/2010/main" w="9525">
+                <a14:hiddenLine xmlns:a14="http://schemas.microsoft.com/office/drawing/2010/main" xmlns="" w="9525">
                   <a:solidFill>
                     <a:srgbClr val="000000"/>
                   </a:solidFill>
@@ -2672,7 +2673,7 @@
             </a:ln>
             <a:extLst>
               <a:ext uri="{91240B29-F687-4f45-9708-019B960494DF}">
-                <a14:hiddenLine xmlns="" xmlns:a14="http://schemas.microsoft.com/office/drawing/2010/main" w="9525">
+                <a14:hiddenLine xmlns:a14="http://schemas.microsoft.com/office/drawing/2010/main" xmlns="" w="9525">
                   <a:solidFill>
                     <a:srgbClr val="000000"/>
                   </a:solidFill>
@@ -2740,7 +2741,7 @@
             </a:ln>
             <a:extLst>
               <a:ext uri="{91240B29-F687-4f45-9708-019B960494DF}">
-                <a14:hiddenLine xmlns="" xmlns:a14="http://schemas.microsoft.com/office/drawing/2010/main" w="9525">
+                <a14:hiddenLine xmlns:a14="http://schemas.microsoft.com/office/drawing/2010/main" xmlns="" w="9525">
                   <a:solidFill>
                     <a:srgbClr val="000000"/>
                   </a:solidFill>
@@ -2802,7 +2803,7 @@
             </a:ln>
             <a:extLst>
               <a:ext uri="{91240B29-F687-4f45-9708-019B960494DF}">
-                <a14:hiddenLine xmlns="" xmlns:a14="http://schemas.microsoft.com/office/drawing/2010/main" w="9525">
+                <a14:hiddenLine xmlns:a14="http://schemas.microsoft.com/office/drawing/2010/main" xmlns="" w="9525">
                   <a:solidFill>
                     <a:srgbClr val="000000"/>
                   </a:solidFill>
@@ -2892,7 +2893,7 @@
             </a:ln>
             <a:extLst>
               <a:ext uri="{91240B29-F687-4f45-9708-019B960494DF}">
-                <a14:hiddenLine xmlns="" xmlns:a14="http://schemas.microsoft.com/office/drawing/2010/main" w="9525">
+                <a14:hiddenLine xmlns:a14="http://schemas.microsoft.com/office/drawing/2010/main" xmlns="" w="9525">
                   <a:solidFill>
                     <a:srgbClr val="000000"/>
                   </a:solidFill>
@@ -2954,7 +2955,7 @@
             </a:ln>
             <a:extLst>
               <a:ext uri="{91240B29-F687-4f45-9708-019B960494DF}">
-                <a14:hiddenLine xmlns="" xmlns:a14="http://schemas.microsoft.com/office/drawing/2010/main" w="9525">
+                <a14:hiddenLine xmlns:a14="http://schemas.microsoft.com/office/drawing/2010/main" xmlns="" w="9525">
                   <a:solidFill>
                     <a:srgbClr val="000000"/>
                   </a:solidFill>
@@ -3044,7 +3045,7 @@
             </a:ln>
             <a:extLst>
               <a:ext uri="{91240B29-F687-4f45-9708-019B960494DF}">
-                <a14:hiddenLine xmlns="" xmlns:a14="http://schemas.microsoft.com/office/drawing/2010/main" w="9525">
+                <a14:hiddenLine xmlns:a14="http://schemas.microsoft.com/office/drawing/2010/main" xmlns="" w="9525">
                   <a:solidFill>
                     <a:srgbClr val="000000"/>
                   </a:solidFill>
@@ -3106,7 +3107,7 @@
             </a:ln>
             <a:extLst>
               <a:ext uri="{91240B29-F687-4f45-9708-019B960494DF}">
-                <a14:hiddenLine xmlns="" xmlns:a14="http://schemas.microsoft.com/office/drawing/2010/main" w="9525">
+                <a14:hiddenLine xmlns:a14="http://schemas.microsoft.com/office/drawing/2010/main" xmlns="" w="9525">
                   <a:solidFill>
                     <a:srgbClr val="000000"/>
                   </a:solidFill>
@@ -3196,7 +3197,7 @@
             </a:ln>
             <a:extLst>
               <a:ext uri="{91240B29-F687-4f45-9708-019B960494DF}">
-                <a14:hiddenLine xmlns="" xmlns:a14="http://schemas.microsoft.com/office/drawing/2010/main" w="9525">
+                <a14:hiddenLine xmlns:a14="http://schemas.microsoft.com/office/drawing/2010/main" xmlns="" w="9525">
                   <a:solidFill>
                     <a:srgbClr val="000000"/>
                   </a:solidFill>
@@ -3230,7 +3231,7 @@
             </a:ln>
             <a:extLst>
               <a:ext uri="{91240B29-F687-4f45-9708-019B960494DF}">
-                <a14:hiddenLine xmlns="" xmlns:a14="http://schemas.microsoft.com/office/drawing/2010/main" w="9525">
+                <a14:hiddenLine xmlns:a14="http://schemas.microsoft.com/office/drawing/2010/main" xmlns="" w="9525">
                   <a:solidFill>
                     <a:srgbClr val="000000"/>
                   </a:solidFill>
@@ -3295,7 +3296,7 @@
             </a:ln>
             <a:extLst>
               <a:ext uri="{91240B29-F687-4f45-9708-019B960494DF}">
-                <a14:hiddenLine xmlns="" xmlns:a14="http://schemas.microsoft.com/office/drawing/2010/main" w="9525">
+                <a14:hiddenLine xmlns:a14="http://schemas.microsoft.com/office/drawing/2010/main" xmlns="" w="9525">
                   <a:solidFill>
                     <a:srgbClr val="000000"/>
                   </a:solidFill>
@@ -3385,7 +3386,7 @@
             </a:ln>
             <a:extLst>
               <a:ext uri="{91240B29-F687-4f45-9708-019B960494DF}">
-                <a14:hiddenLine xmlns="" xmlns:a14="http://schemas.microsoft.com/office/drawing/2010/main" w="9525">
+                <a14:hiddenLine xmlns:a14="http://schemas.microsoft.com/office/drawing/2010/main" xmlns="" w="9525">
                   <a:solidFill>
                     <a:srgbClr val="000000"/>
                   </a:solidFill>
@@ -3447,7 +3448,7 @@
             </a:ln>
             <a:extLst>
               <a:ext uri="{91240B29-F687-4f45-9708-019B960494DF}">
-                <a14:hiddenLine xmlns="" xmlns:a14="http://schemas.microsoft.com/office/drawing/2010/main" w="9525">
+                <a14:hiddenLine xmlns:a14="http://schemas.microsoft.com/office/drawing/2010/main" xmlns="" w="9525">
                   <a:solidFill>
                     <a:srgbClr val="000000"/>
                   </a:solidFill>
@@ -3537,7 +3538,7 @@
             </a:ln>
             <a:extLst>
               <a:ext uri="{91240B29-F687-4f45-9708-019B960494DF}">
-                <a14:hiddenLine xmlns="" xmlns:a14="http://schemas.microsoft.com/office/drawing/2010/main" w="9525">
+                <a14:hiddenLine xmlns:a14="http://schemas.microsoft.com/office/drawing/2010/main" xmlns="" w="9525">
                   <a:solidFill>
                     <a:srgbClr val="000000"/>
                   </a:solidFill>
@@ -3627,7 +3628,7 @@
             </a:ln>
             <a:extLst>
               <a:ext uri="{91240B29-F687-4f45-9708-019B960494DF}">
-                <a14:hiddenLine xmlns="" xmlns:a14="http://schemas.microsoft.com/office/drawing/2010/main" w="9525">
+                <a14:hiddenLine xmlns:a14="http://schemas.microsoft.com/office/drawing/2010/main" xmlns="" w="9525">
                   <a:solidFill>
                     <a:srgbClr val="000000"/>
                   </a:solidFill>
@@ -3692,7 +3693,7 @@
             </a:ln>
             <a:extLst>
               <a:ext uri="{91240B29-F687-4f45-9708-019B960494DF}">
-                <a14:hiddenLine xmlns="" xmlns:a14="http://schemas.microsoft.com/office/drawing/2010/main" w="9525">
+                <a14:hiddenLine xmlns:a14="http://schemas.microsoft.com/office/drawing/2010/main" xmlns="" w="9525">
                   <a:solidFill>
                     <a:srgbClr val="000000"/>
                   </a:solidFill>
@@ -3754,7 +3755,7 @@
             </a:ln>
             <a:extLst>
               <a:ext uri="{91240B29-F687-4f45-9708-019B960494DF}">
-                <a14:hiddenLine xmlns="" xmlns:a14="http://schemas.microsoft.com/office/drawing/2010/main" w="9525">
+                <a14:hiddenLine xmlns:a14="http://schemas.microsoft.com/office/drawing/2010/main" xmlns="" w="9525">
                   <a:solidFill>
                     <a:srgbClr val="000000"/>
                   </a:solidFill>
@@ -3844,7 +3845,7 @@
             </a:ln>
             <a:extLst>
               <a:ext uri="{91240B29-F687-4f45-9708-019B960494DF}">
-                <a14:hiddenLine xmlns="" xmlns:a14="http://schemas.microsoft.com/office/drawing/2010/main" w="9525">
+                <a14:hiddenLine xmlns:a14="http://schemas.microsoft.com/office/drawing/2010/main" xmlns="" w="9525">
                   <a:solidFill>
                     <a:srgbClr val="000000"/>
                   </a:solidFill>
@@ -3934,7 +3935,7 @@
             </a:ln>
             <a:extLst>
               <a:ext uri="{91240B29-F687-4f45-9708-019B960494DF}">
-                <a14:hiddenLine xmlns="" xmlns:a14="http://schemas.microsoft.com/office/drawing/2010/main" w="9525">
+                <a14:hiddenLine xmlns:a14="http://schemas.microsoft.com/office/drawing/2010/main" xmlns="" w="9525">
                   <a:solidFill>
                     <a:srgbClr val="000000"/>
                   </a:solidFill>
@@ -3996,7 +3997,7 @@
             </a:ln>
             <a:extLst>
               <a:ext uri="{91240B29-F687-4f45-9708-019B960494DF}">
-                <a14:hiddenLine xmlns="" xmlns:a14="http://schemas.microsoft.com/office/drawing/2010/main" w="9525">
+                <a14:hiddenLine xmlns:a14="http://schemas.microsoft.com/office/drawing/2010/main" xmlns="" w="9525">
                   <a:solidFill>
                     <a:srgbClr val="000000"/>
                   </a:solidFill>
@@ -4116,7 +4117,7 @@
             </a:ln>
             <a:extLst>
               <a:ext uri="{91240B29-F687-4f45-9708-019B960494DF}">
-                <a14:hiddenLine xmlns="" xmlns:a14="http://schemas.microsoft.com/office/drawing/2010/main" w="9525">
+                <a14:hiddenLine xmlns:a14="http://schemas.microsoft.com/office/drawing/2010/main" xmlns="" w="9525">
                   <a:solidFill>
                     <a:srgbClr val="000000"/>
                   </a:solidFill>
@@ -4184,7 +4185,7 @@
             </a:ln>
             <a:extLst>
               <a:ext uri="{91240B29-F687-4f45-9708-019B960494DF}">
-                <a14:hiddenLine xmlns="" xmlns:a14="http://schemas.microsoft.com/office/drawing/2010/main" w="9525">
+                <a14:hiddenLine xmlns:a14="http://schemas.microsoft.com/office/drawing/2010/main" xmlns="" w="9525">
                   <a:solidFill>
                     <a:srgbClr val="000000"/>
                   </a:solidFill>
@@ -4274,7 +4275,7 @@
             </a:ln>
             <a:extLst>
               <a:ext uri="{91240B29-F687-4f45-9708-019B960494DF}">
-                <a14:hiddenLine xmlns="" xmlns:a14="http://schemas.microsoft.com/office/drawing/2010/main" w="9525">
+                <a14:hiddenLine xmlns:a14="http://schemas.microsoft.com/office/drawing/2010/main" xmlns="" w="9525">
                   <a:solidFill>
                     <a:srgbClr val="000000"/>
                   </a:solidFill>
@@ -4414,7 +4415,7 @@
           <a:p>
             <a:fld id="{96DFF08F-DC6B-4601-B491-B0F83F6DD2DA}" type="datetimeFigureOut">
               <a:rPr lang="en-US" smtClean="0"/>
-              <a:t>4/25/2023</a:t>
+              <a:t>6/3/2023</a:t>
             </a:fld>
             <a:endParaRPr lang="en-US" dirty="0"/>
           </a:p>
@@ -4682,7 +4683,7 @@
             <a:fld id="{96DFF08F-DC6B-4601-B491-B0F83F6DD2DA}" type="datetimeFigureOut">
               <a:rPr lang="en-US" smtClean="0"/>
               <a:pPr/>
-              <a:t>4/25/2023</a:t>
+              <a:t>6/3/2023</a:t>
             </a:fld>
             <a:endParaRPr lang="en-US" dirty="0"/>
           </a:p>
@@ -4880,7 +4881,7 @@
             <a:fld id="{96DFF08F-DC6B-4601-B491-B0F83F6DD2DA}" type="datetimeFigureOut">
               <a:rPr lang="en-US" smtClean="0"/>
               <a:pPr/>
-              <a:t>4/25/2023</a:t>
+              <a:t>6/3/2023</a:t>
             </a:fld>
             <a:endParaRPr lang="en-US" dirty="0"/>
           </a:p>
@@ -5145,7 +5146,7 @@
             <a:fld id="{96DFF08F-DC6B-4601-B491-B0F83F6DD2DA}" type="datetimeFigureOut">
               <a:rPr lang="en-US" smtClean="0"/>
               <a:pPr/>
-              <a:t>4/25/2023</a:t>
+              <a:t>6/3/2023</a:t>
             </a:fld>
             <a:endParaRPr lang="en-US" dirty="0"/>
           </a:p>
@@ -5581,7 +5582,7 @@
             <a:fld id="{96DFF08F-DC6B-4601-B491-B0F83F6DD2DA}" type="datetimeFigureOut">
               <a:rPr lang="en-US" smtClean="0"/>
               <a:pPr/>
-              <a:t>4/25/2023</a:t>
+              <a:t>6/3/2023</a:t>
             </a:fld>
             <a:endParaRPr lang="en-US" dirty="0"/>
           </a:p>
@@ -6129,7 +6130,7 @@
             <a:fld id="{96DFF08F-DC6B-4601-B491-B0F83F6DD2DA}" type="datetimeFigureOut">
               <a:rPr lang="en-US" smtClean="0"/>
               <a:pPr/>
-              <a:t>4/25/2023</a:t>
+              <a:t>6/3/2023</a:t>
             </a:fld>
             <a:endParaRPr lang="en-US" dirty="0"/>
           </a:p>
@@ -6851,7 +6852,7 @@
             <a:fld id="{96DFF08F-DC6B-4601-B491-B0F83F6DD2DA}" type="datetimeFigureOut">
               <a:rPr lang="en-US" smtClean="0"/>
               <a:pPr/>
-              <a:t>4/25/2023</a:t>
+              <a:t>6/3/2023</a:t>
             </a:fld>
             <a:endParaRPr lang="en-US" dirty="0"/>
           </a:p>
@@ -7022,7 +7023,7 @@
           <a:p>
             <a:fld id="{96DFF08F-DC6B-4601-B491-B0F83F6DD2DA}" type="datetimeFigureOut">
               <a:rPr lang="en-US" smtClean="0"/>
-              <a:t>4/25/2023</a:t>
+              <a:t>6/3/2023</a:t>
             </a:fld>
             <a:endParaRPr lang="en-US" dirty="0"/>
           </a:p>
@@ -7202,7 +7203,7 @@
           <a:p>
             <a:fld id="{96DFF08F-DC6B-4601-B491-B0F83F6DD2DA}" type="datetimeFigureOut">
               <a:rPr lang="en-US" smtClean="0"/>
-              <a:t>4/25/2023</a:t>
+              <a:t>6/3/2023</a:t>
             </a:fld>
             <a:endParaRPr lang="en-US" dirty="0"/>
           </a:p>
@@ -7372,7 +7373,7 @@
           <a:p>
             <a:fld id="{96DFF08F-DC6B-4601-B491-B0F83F6DD2DA}" type="datetimeFigureOut">
               <a:rPr lang="en-US" smtClean="0"/>
-              <a:t>4/25/2023</a:t>
+              <a:t>6/3/2023</a:t>
             </a:fld>
             <a:endParaRPr lang="en-US" dirty="0"/>
           </a:p>
@@ -7623,7 +7624,7 @@
             <a:fld id="{96DFF08F-DC6B-4601-B491-B0F83F6DD2DA}" type="datetimeFigureOut">
               <a:rPr lang="en-US" smtClean="0"/>
               <a:pPr/>
-              <a:t>4/25/2023</a:t>
+              <a:t>6/3/2023</a:t>
             </a:fld>
             <a:endParaRPr lang="en-US" dirty="0"/>
           </a:p>
@@ -7856,7 +7857,7 @@
           <a:p>
             <a:fld id="{96DFF08F-DC6B-4601-B491-B0F83F6DD2DA}" type="datetimeFigureOut">
               <a:rPr lang="en-US" smtClean="0"/>
-              <a:t>4/25/2023</a:t>
+              <a:t>6/3/2023</a:t>
             </a:fld>
             <a:endParaRPr lang="en-US" dirty="0"/>
           </a:p>
@@ -8237,7 +8238,7 @@
           <a:p>
             <a:fld id="{96DFF08F-DC6B-4601-B491-B0F83F6DD2DA}" type="datetimeFigureOut">
               <a:rPr lang="en-US" smtClean="0"/>
-              <a:t>4/25/2023</a:t>
+              <a:t>6/3/2023</a:t>
             </a:fld>
             <a:endParaRPr lang="en-US" dirty="0"/>
           </a:p>
@@ -8355,7 +8356,7 @@
           <a:p>
             <a:fld id="{96DFF08F-DC6B-4601-B491-B0F83F6DD2DA}" type="datetimeFigureOut">
               <a:rPr lang="en-US" smtClean="0"/>
-              <a:t>4/25/2023</a:t>
+              <a:t>6/3/2023</a:t>
             </a:fld>
             <a:endParaRPr lang="en-US" dirty="0"/>
           </a:p>
@@ -8450,7 +8451,7 @@
           <a:p>
             <a:fld id="{96DFF08F-DC6B-4601-B491-B0F83F6DD2DA}" type="datetimeFigureOut">
               <a:rPr lang="en-US" smtClean="0"/>
-              <a:t>4/25/2023</a:t>
+              <a:t>6/3/2023</a:t>
             </a:fld>
             <a:endParaRPr lang="en-US" dirty="0"/>
           </a:p>
@@ -8699,7 +8700,7 @@
           <a:p>
             <a:fld id="{96DFF08F-DC6B-4601-B491-B0F83F6DD2DA}" type="datetimeFigureOut">
               <a:rPr lang="en-US" smtClean="0"/>
-              <a:t>4/25/2023</a:t>
+              <a:t>6/3/2023</a:t>
             </a:fld>
             <a:endParaRPr lang="en-US" dirty="0"/>
           </a:p>
@@ -8979,7 +8980,7 @@
           <a:p>
             <a:fld id="{96DFF08F-DC6B-4601-B491-B0F83F6DD2DA}" type="datetimeFigureOut">
               <a:rPr lang="en-US" smtClean="0"/>
-              <a:t>4/25/2023</a:t>
+              <a:t>6/3/2023</a:t>
             </a:fld>
             <a:endParaRPr lang="en-US" dirty="0"/>
           </a:p>
@@ -9095,7 +9096,7 @@
           <a:noFill/>
           <a:extLst>
             <a:ext uri="{909E8E84-426E-40dd-AFC4-6F175D3DCCD1}">
-              <a14:hiddenFill xmlns="" xmlns:a14="http://schemas.microsoft.com/office/drawing/2010/main">
+              <a14:hiddenFill xmlns:a14="http://schemas.microsoft.com/office/drawing/2010/main" xmlns="">
                 <a:solidFill>
                   <a:srgbClr val="FFFFFF"/>
                 </a:solidFill>
@@ -9169,7 +9170,7 @@
               </a:ln>
               <a:extLst>
                 <a:ext uri="{91240B29-F687-4f45-9708-019B960494DF}">
-                  <a14:hiddenLine xmlns="" xmlns:a14="http://schemas.microsoft.com/office/drawing/2010/main" w="9525">
+                  <a14:hiddenLine xmlns:a14="http://schemas.microsoft.com/office/drawing/2010/main" xmlns="" w="9525">
                     <a:solidFill>
                       <a:srgbClr val="000000"/>
                     </a:solidFill>
@@ -9259,7 +9260,7 @@
               </a:ln>
               <a:extLst>
                 <a:ext uri="{91240B29-F687-4f45-9708-019B960494DF}">
-                  <a14:hiddenLine xmlns="" xmlns:a14="http://schemas.microsoft.com/office/drawing/2010/main" w="9525">
+                  <a14:hiddenLine xmlns:a14="http://schemas.microsoft.com/office/drawing/2010/main" xmlns="" w="9525">
                     <a:solidFill>
                       <a:srgbClr val="000000"/>
                     </a:solidFill>
@@ -9349,7 +9350,7 @@
               </a:ln>
               <a:extLst>
                 <a:ext uri="{91240B29-F687-4f45-9708-019B960494DF}">
-                  <a14:hiddenLine xmlns="" xmlns:a14="http://schemas.microsoft.com/office/drawing/2010/main" w="9525">
+                  <a14:hiddenLine xmlns:a14="http://schemas.microsoft.com/office/drawing/2010/main" xmlns="" w="9525">
                     <a:solidFill>
                       <a:srgbClr val="000000"/>
                     </a:solidFill>
@@ -9411,7 +9412,7 @@
               </a:ln>
               <a:extLst>
                 <a:ext uri="{91240B29-F687-4f45-9708-019B960494DF}">
-                  <a14:hiddenLine xmlns="" xmlns:a14="http://schemas.microsoft.com/office/drawing/2010/main" w="9525">
+                  <a14:hiddenLine xmlns:a14="http://schemas.microsoft.com/office/drawing/2010/main" xmlns="" w="9525">
                     <a:solidFill>
                       <a:srgbClr val="000000"/>
                     </a:solidFill>
@@ -9501,7 +9502,7 @@
               </a:ln>
               <a:extLst>
                 <a:ext uri="{91240B29-F687-4f45-9708-019B960494DF}">
-                  <a14:hiddenLine xmlns="" xmlns:a14="http://schemas.microsoft.com/office/drawing/2010/main" w="9525">
+                  <a14:hiddenLine xmlns:a14="http://schemas.microsoft.com/office/drawing/2010/main" xmlns="" w="9525">
                     <a:solidFill>
                       <a:srgbClr val="000000"/>
                     </a:solidFill>
@@ -9563,7 +9564,7 @@
               </a:ln>
               <a:extLst>
                 <a:ext uri="{91240B29-F687-4f45-9708-019B960494DF}">
-                  <a14:hiddenLine xmlns="" xmlns:a14="http://schemas.microsoft.com/office/drawing/2010/main" w="9525">
+                  <a14:hiddenLine xmlns:a14="http://schemas.microsoft.com/office/drawing/2010/main" xmlns="" w="9525">
                     <a:solidFill>
                       <a:srgbClr val="000000"/>
                     </a:solidFill>
@@ -9625,7 +9626,7 @@
               </a:ln>
               <a:extLst>
                 <a:ext uri="{91240B29-F687-4f45-9708-019B960494DF}">
-                  <a14:hiddenLine xmlns="" xmlns:a14="http://schemas.microsoft.com/office/drawing/2010/main" w="9525">
+                  <a14:hiddenLine xmlns:a14="http://schemas.microsoft.com/office/drawing/2010/main" xmlns="" w="9525">
                     <a:solidFill>
                       <a:srgbClr val="000000"/>
                     </a:solidFill>
@@ -9715,7 +9716,7 @@
               </a:ln>
               <a:extLst>
                 <a:ext uri="{91240B29-F687-4f45-9708-019B960494DF}">
-                  <a14:hiddenLine xmlns="" xmlns:a14="http://schemas.microsoft.com/office/drawing/2010/main" w="9525">
+                  <a14:hiddenLine xmlns:a14="http://schemas.microsoft.com/office/drawing/2010/main" xmlns="" w="9525">
                     <a:solidFill>
                       <a:srgbClr val="000000"/>
                     </a:solidFill>
@@ -9805,7 +9806,7 @@
               </a:ln>
               <a:extLst>
                 <a:ext uri="{91240B29-F687-4f45-9708-019B960494DF}">
-                  <a14:hiddenLine xmlns="" xmlns:a14="http://schemas.microsoft.com/office/drawing/2010/main" w="9525">
+                  <a14:hiddenLine xmlns:a14="http://schemas.microsoft.com/office/drawing/2010/main" xmlns="" w="9525">
                     <a:solidFill>
                       <a:srgbClr val="000000"/>
                     </a:solidFill>
@@ -9867,7 +9868,7 @@
               </a:ln>
               <a:extLst>
                 <a:ext uri="{91240B29-F687-4f45-9708-019B960494DF}">
-                  <a14:hiddenLine xmlns="" xmlns:a14="http://schemas.microsoft.com/office/drawing/2010/main" w="9525">
+                  <a14:hiddenLine xmlns:a14="http://schemas.microsoft.com/office/drawing/2010/main" xmlns="" w="9525">
                     <a:solidFill>
                       <a:srgbClr val="000000"/>
                     </a:solidFill>
@@ -9977,7 +9978,7 @@
               </a:ln>
               <a:extLst>
                 <a:ext uri="{91240B29-F687-4f45-9708-019B960494DF}">
-                  <a14:hiddenLine xmlns="" xmlns:a14="http://schemas.microsoft.com/office/drawing/2010/main" w="9525">
+                  <a14:hiddenLine xmlns:a14="http://schemas.microsoft.com/office/drawing/2010/main" xmlns="" w="9525">
                     <a:solidFill>
                       <a:srgbClr val="000000"/>
                     </a:solidFill>
@@ -10061,7 +10062,7 @@
               </a:ln>
               <a:extLst>
                 <a:ext uri="{91240B29-F687-4f45-9708-019B960494DF}">
-                  <a14:hiddenLine xmlns="" xmlns:a14="http://schemas.microsoft.com/office/drawing/2010/main" w="9525">
+                  <a14:hiddenLine xmlns:a14="http://schemas.microsoft.com/office/drawing/2010/main" xmlns="" w="9525">
                     <a:solidFill>
                       <a:srgbClr val="000000"/>
                     </a:solidFill>
@@ -10123,7 +10124,7 @@
               </a:ln>
               <a:extLst>
                 <a:ext uri="{91240B29-F687-4f45-9708-019B960494DF}">
-                  <a14:hiddenLine xmlns="" xmlns:a14="http://schemas.microsoft.com/office/drawing/2010/main" w="9525">
+                  <a14:hiddenLine xmlns:a14="http://schemas.microsoft.com/office/drawing/2010/main" xmlns="" w="9525">
                     <a:solidFill>
                       <a:srgbClr val="000000"/>
                     </a:solidFill>
@@ -10185,7 +10186,7 @@
               </a:ln>
               <a:extLst>
                 <a:ext uri="{91240B29-F687-4f45-9708-019B960494DF}">
-                  <a14:hiddenLine xmlns="" xmlns:a14="http://schemas.microsoft.com/office/drawing/2010/main" w="9525">
+                  <a14:hiddenLine xmlns:a14="http://schemas.microsoft.com/office/drawing/2010/main" xmlns="" w="9525">
                     <a:solidFill>
                       <a:srgbClr val="000000"/>
                     </a:solidFill>
@@ -10275,7 +10276,7 @@
               </a:ln>
               <a:extLst>
                 <a:ext uri="{91240B29-F687-4f45-9708-019B960494DF}">
-                  <a14:hiddenLine xmlns="" xmlns:a14="http://schemas.microsoft.com/office/drawing/2010/main" w="9525">
+                  <a14:hiddenLine xmlns:a14="http://schemas.microsoft.com/office/drawing/2010/main" xmlns="" w="9525">
                     <a:solidFill>
                       <a:srgbClr val="000000"/>
                     </a:solidFill>
@@ -10309,7 +10310,7 @@
               </a:ln>
               <a:extLst>
                 <a:ext uri="{91240B29-F687-4f45-9708-019B960494DF}">
-                  <a14:hiddenLine xmlns="" xmlns:a14="http://schemas.microsoft.com/office/drawing/2010/main" w="9525">
+                  <a14:hiddenLine xmlns:a14="http://schemas.microsoft.com/office/drawing/2010/main" xmlns="" w="9525">
                     <a:solidFill>
                       <a:srgbClr val="000000"/>
                     </a:solidFill>
@@ -10374,7 +10375,7 @@
               </a:ln>
               <a:extLst>
                 <a:ext uri="{91240B29-F687-4f45-9708-019B960494DF}">
-                  <a14:hiddenLine xmlns="" xmlns:a14="http://schemas.microsoft.com/office/drawing/2010/main" w="9525">
+                  <a14:hiddenLine xmlns:a14="http://schemas.microsoft.com/office/drawing/2010/main" xmlns="" w="9525">
                     <a:solidFill>
                       <a:srgbClr val="000000"/>
                     </a:solidFill>
@@ -10464,7 +10465,7 @@
               </a:ln>
               <a:extLst>
                 <a:ext uri="{91240B29-F687-4f45-9708-019B960494DF}">
-                  <a14:hiddenLine xmlns="" xmlns:a14="http://schemas.microsoft.com/office/drawing/2010/main" w="9525">
+                  <a14:hiddenLine xmlns:a14="http://schemas.microsoft.com/office/drawing/2010/main" xmlns="" w="9525">
                     <a:solidFill>
                       <a:srgbClr val="000000"/>
                     </a:solidFill>
@@ -10526,7 +10527,7 @@
               </a:ln>
               <a:extLst>
                 <a:ext uri="{91240B29-F687-4f45-9708-019B960494DF}">
-                  <a14:hiddenLine xmlns="" xmlns:a14="http://schemas.microsoft.com/office/drawing/2010/main" w="9525">
+                  <a14:hiddenLine xmlns:a14="http://schemas.microsoft.com/office/drawing/2010/main" xmlns="" w="9525">
                     <a:solidFill>
                       <a:srgbClr val="000000"/>
                     </a:solidFill>
@@ -10616,7 +10617,7 @@
               </a:ln>
               <a:extLst>
                 <a:ext uri="{91240B29-F687-4f45-9708-019B960494DF}">
-                  <a14:hiddenLine xmlns="" xmlns:a14="http://schemas.microsoft.com/office/drawing/2010/main" w="9525">
+                  <a14:hiddenLine xmlns:a14="http://schemas.microsoft.com/office/drawing/2010/main" xmlns="" w="9525">
                     <a:solidFill>
                       <a:srgbClr val="000000"/>
                     </a:solidFill>
@@ -10681,7 +10682,7 @@
               </a:ln>
               <a:extLst>
                 <a:ext uri="{91240B29-F687-4f45-9708-019B960494DF}">
-                  <a14:hiddenLine xmlns="" xmlns:a14="http://schemas.microsoft.com/office/drawing/2010/main" w="9525">
+                  <a14:hiddenLine xmlns:a14="http://schemas.microsoft.com/office/drawing/2010/main" xmlns="" w="9525">
                     <a:solidFill>
                       <a:srgbClr val="000000"/>
                     </a:solidFill>
@@ -10743,7 +10744,7 @@
               </a:ln>
               <a:extLst>
                 <a:ext uri="{91240B29-F687-4f45-9708-019B960494DF}">
-                  <a14:hiddenLine xmlns="" xmlns:a14="http://schemas.microsoft.com/office/drawing/2010/main" w="9525">
+                  <a14:hiddenLine xmlns:a14="http://schemas.microsoft.com/office/drawing/2010/main" xmlns="" w="9525">
                     <a:solidFill>
                       <a:srgbClr val="000000"/>
                     </a:solidFill>
@@ -10833,7 +10834,7 @@
               </a:ln>
               <a:extLst>
                 <a:ext uri="{91240B29-F687-4f45-9708-019B960494DF}">
-                  <a14:hiddenLine xmlns="" xmlns:a14="http://schemas.microsoft.com/office/drawing/2010/main" w="9525">
+                  <a14:hiddenLine xmlns:a14="http://schemas.microsoft.com/office/drawing/2010/main" xmlns="" w="9525">
                     <a:solidFill>
                       <a:srgbClr val="000000"/>
                     </a:solidFill>
@@ -10923,7 +10924,7 @@
               </a:ln>
               <a:extLst>
                 <a:ext uri="{91240B29-F687-4f45-9708-019B960494DF}">
-                  <a14:hiddenLine xmlns="" xmlns:a14="http://schemas.microsoft.com/office/drawing/2010/main" w="9525">
+                  <a14:hiddenLine xmlns:a14="http://schemas.microsoft.com/office/drawing/2010/main" xmlns="" w="9525">
                     <a:solidFill>
                       <a:srgbClr val="000000"/>
                     </a:solidFill>
@@ -10988,7 +10989,7 @@
               </a:ln>
               <a:extLst>
                 <a:ext uri="{91240B29-F687-4f45-9708-019B960494DF}">
-                  <a14:hiddenLine xmlns="" xmlns:a14="http://schemas.microsoft.com/office/drawing/2010/main" w="9525">
+                  <a14:hiddenLine xmlns:a14="http://schemas.microsoft.com/office/drawing/2010/main" xmlns="" w="9525">
                     <a:solidFill>
                       <a:srgbClr val="000000"/>
                     </a:solidFill>
@@ -11108,7 +11109,7 @@
               </a:ln>
               <a:extLst>
                 <a:ext uri="{91240B29-F687-4f45-9708-019B960494DF}">
-                  <a14:hiddenLine xmlns="" xmlns:a14="http://schemas.microsoft.com/office/drawing/2010/main" w="9525">
+                  <a14:hiddenLine xmlns:a14="http://schemas.microsoft.com/office/drawing/2010/main" xmlns="" w="9525">
                     <a:solidFill>
                       <a:srgbClr val="000000"/>
                     </a:solidFill>
@@ -11206,7 +11207,7 @@
               </a:ln>
               <a:extLst>
                 <a:ext uri="{91240B29-F687-4f45-9708-019B960494DF}">
-                  <a14:hiddenLine xmlns="" xmlns:a14="http://schemas.microsoft.com/office/drawing/2010/main" w="9525">
+                  <a14:hiddenLine xmlns:a14="http://schemas.microsoft.com/office/drawing/2010/main" xmlns="" w="9525">
                     <a:solidFill>
                       <a:srgbClr val="000000"/>
                     </a:solidFill>
@@ -11321,7 +11322,7 @@
               </a:ln>
               <a:extLst>
                 <a:ext uri="{91240B29-F687-4f45-9708-019B960494DF}">
-                  <a14:hiddenLine xmlns="" xmlns:a14="http://schemas.microsoft.com/office/drawing/2010/main" w="9525">
+                  <a14:hiddenLine xmlns:a14="http://schemas.microsoft.com/office/drawing/2010/main" xmlns="" w="9525">
                     <a:solidFill>
                       <a:srgbClr val="000000"/>
                     </a:solidFill>
@@ -11411,7 +11412,7 @@
               </a:ln>
               <a:extLst>
                 <a:ext uri="{91240B29-F687-4f45-9708-019B960494DF}">
-                  <a14:hiddenLine xmlns="" xmlns:a14="http://schemas.microsoft.com/office/drawing/2010/main" w="9525">
+                  <a14:hiddenLine xmlns:a14="http://schemas.microsoft.com/office/drawing/2010/main" xmlns="" w="9525">
                     <a:solidFill>
                       <a:srgbClr val="000000"/>
                     </a:solidFill>
@@ -11476,7 +11477,7 @@
               </a:ln>
               <a:extLst>
                 <a:ext uri="{91240B29-F687-4f45-9708-019B960494DF}">
-                  <a14:hiddenLine xmlns="" xmlns:a14="http://schemas.microsoft.com/office/drawing/2010/main" w="9525">
+                  <a14:hiddenLine xmlns:a14="http://schemas.microsoft.com/office/drawing/2010/main" xmlns="" w="9525">
                     <a:solidFill>
                       <a:srgbClr val="000000"/>
                     </a:solidFill>
@@ -11566,7 +11567,7 @@
               </a:ln>
               <a:extLst>
                 <a:ext uri="{91240B29-F687-4f45-9708-019B960494DF}">
-                  <a14:hiddenLine xmlns="" xmlns:a14="http://schemas.microsoft.com/office/drawing/2010/main" w="9525">
+                  <a14:hiddenLine xmlns:a14="http://schemas.microsoft.com/office/drawing/2010/main" xmlns="" w="9525">
                     <a:solidFill>
                       <a:srgbClr val="000000"/>
                     </a:solidFill>
@@ -11634,7 +11635,7 @@
               </a:ln>
               <a:extLst>
                 <a:ext uri="{91240B29-F687-4f45-9708-019B960494DF}">
-                  <a14:hiddenLine xmlns="" xmlns:a14="http://schemas.microsoft.com/office/drawing/2010/main" w="9525">
+                  <a14:hiddenLine xmlns:a14="http://schemas.microsoft.com/office/drawing/2010/main" xmlns="" w="9525">
                     <a:solidFill>
                       <a:srgbClr val="000000"/>
                     </a:solidFill>
@@ -11724,7 +11725,7 @@
               </a:ln>
               <a:extLst>
                 <a:ext uri="{91240B29-F687-4f45-9708-019B960494DF}">
-                  <a14:hiddenLine xmlns="" xmlns:a14="http://schemas.microsoft.com/office/drawing/2010/main" w="9525">
+                  <a14:hiddenLine xmlns:a14="http://schemas.microsoft.com/office/drawing/2010/main" xmlns="" w="9525">
                     <a:solidFill>
                       <a:srgbClr val="000000"/>
                     </a:solidFill>
@@ -11792,7 +11793,7 @@
               </a:ln>
               <a:extLst>
                 <a:ext uri="{91240B29-F687-4f45-9708-019B960494DF}">
-                  <a14:hiddenLine xmlns="" xmlns:a14="http://schemas.microsoft.com/office/drawing/2010/main" w="9525">
+                  <a14:hiddenLine xmlns:a14="http://schemas.microsoft.com/office/drawing/2010/main" xmlns="" w="9525">
                     <a:solidFill>
                       <a:srgbClr val="000000"/>
                     </a:solidFill>
@@ -11882,7 +11883,7 @@
               </a:ln>
               <a:extLst>
                 <a:ext uri="{91240B29-F687-4f45-9708-019B960494DF}">
-                  <a14:hiddenLine xmlns="" xmlns:a14="http://schemas.microsoft.com/office/drawing/2010/main" w="9525">
+                  <a14:hiddenLine xmlns:a14="http://schemas.microsoft.com/office/drawing/2010/main" xmlns="" w="9525">
                     <a:solidFill>
                       <a:srgbClr val="000000"/>
                     </a:solidFill>
@@ -11916,7 +11917,7 @@
               </a:ln>
               <a:extLst>
                 <a:ext uri="{91240B29-F687-4f45-9708-019B960494DF}">
-                  <a14:hiddenLine xmlns="" xmlns:a14="http://schemas.microsoft.com/office/drawing/2010/main" w="9525">
+                  <a14:hiddenLine xmlns:a14="http://schemas.microsoft.com/office/drawing/2010/main" xmlns="" w="9525">
                     <a:solidFill>
                       <a:srgbClr val="000000"/>
                     </a:solidFill>
@@ -12057,7 +12058,7 @@
             <a:fld id="{96DFF08F-DC6B-4601-B491-B0F83F6DD2DA}" type="datetimeFigureOut">
               <a:rPr lang="en-US" smtClean="0"/>
               <a:pPr/>
-              <a:t>4/25/2023</a:t>
+              <a:t>6/3/2023</a:t>
             </a:fld>
             <a:endParaRPr lang="en-US" dirty="0"/>
           </a:p>
@@ -16101,6 +16102,124 @@
           <p:cNvPr id="2" name="Title 1">
             <a:extLst>
               <a:ext uri="{FF2B5EF4-FFF2-40B4-BE49-F238E27FC236}">
+                <a16:creationId xmlns:a16="http://schemas.microsoft.com/office/drawing/2014/main" id="{8561537A-2042-7DD9-6B05-17ED6C9C7002}"/>
+              </a:ext>
+            </a:extLst>
+          </p:cNvPr>
+          <p:cNvSpPr>
+            <a:spLocks noGrp="1"/>
+          </p:cNvSpPr>
+          <p:nvPr>
+            <p:ph type="title"/>
+          </p:nvPr>
+        </p:nvSpPr>
+        <p:spPr/>
+        <p:txBody>
+          <a:bodyPr/>
+          <a:lstStyle/>
+          <a:p>
+            <a:r>
+              <a:rPr lang="en-US" u="sng" dirty="0"/>
+              <a:t>RESULT &amp; Output:</a:t>
+            </a:r>
+            <a:endParaRPr lang="en-IN" u="sng" dirty="0"/>
+          </a:p>
+        </p:txBody>
+      </p:sp>
+      <p:pic>
+        <p:nvPicPr>
+          <p:cNvPr id="5" name="Content Placeholder 4">
+            <a:extLst>
+              <a:ext uri="{FF2B5EF4-FFF2-40B4-BE49-F238E27FC236}">
+                <a16:creationId xmlns:a16="http://schemas.microsoft.com/office/drawing/2014/main" id="{5170EE77-5B48-C7E5-206F-42AAF00EC77D}"/>
+              </a:ext>
+            </a:extLst>
+          </p:cNvPr>
+          <p:cNvPicPr>
+            <a:picLocks noGrp="1" noChangeAspect="1"/>
+          </p:cNvPicPr>
+          <p:nvPr>
+            <p:ph idx="1"/>
+          </p:nvPr>
+        </p:nvPicPr>
+        <p:blipFill>
+          <a:blip r:embed="rId2"/>
+          <a:stretch>
+            <a:fillRect/>
+          </a:stretch>
+        </p:blipFill>
+        <p:spPr>
+          <a:xfrm>
+            <a:off x="919001" y="2339683"/>
+            <a:ext cx="5175411" cy="2736169"/>
+          </a:xfrm>
+        </p:spPr>
+      </p:pic>
+      <p:pic>
+        <p:nvPicPr>
+          <p:cNvPr id="7" name="Picture 6">
+            <a:extLst>
+              <a:ext uri="{FF2B5EF4-FFF2-40B4-BE49-F238E27FC236}">
+                <a16:creationId xmlns:a16="http://schemas.microsoft.com/office/drawing/2014/main" id="{6B41252E-F60B-69FF-2133-AAA6A6AF56ED}"/>
+              </a:ext>
+            </a:extLst>
+          </p:cNvPr>
+          <p:cNvPicPr>
+            <a:picLocks noChangeAspect="1"/>
+          </p:cNvPicPr>
+          <p:nvPr/>
+        </p:nvPicPr>
+        <p:blipFill>
+          <a:blip r:embed="rId3"/>
+          <a:stretch>
+            <a:fillRect/>
+          </a:stretch>
+        </p:blipFill>
+        <p:spPr>
+          <a:xfrm>
+            <a:off x="6456783" y="2339683"/>
+            <a:ext cx="5175411" cy="2736169"/>
+          </a:xfrm>
+          <a:prstGeom prst="rect">
+            <a:avLst/>
+          </a:prstGeom>
+        </p:spPr>
+      </p:pic>
+    </p:spTree>
+    <p:extLst>
+      <p:ext uri="{BB962C8B-B14F-4D97-AF65-F5344CB8AC3E}">
+        <p14:creationId xmlns:p14="http://schemas.microsoft.com/office/powerpoint/2010/main" val="1804217485"/>
+      </p:ext>
+    </p:extLst>
+  </p:cSld>
+  <p:clrMapOvr>
+    <a:masterClrMapping/>
+  </p:clrMapOvr>
+</p:sld>
+</file>
+
+<file path=ppt/slides/slide27.xml><?xml version="1.0" encoding="utf-8"?>
+<p:sld xmlns:a="http://schemas.openxmlformats.org/drawingml/2006/main" xmlns:r="http://schemas.openxmlformats.org/officeDocument/2006/relationships" xmlns:p="http://schemas.openxmlformats.org/presentationml/2006/main">
+  <p:cSld>
+    <p:spTree>
+      <p:nvGrpSpPr>
+        <p:cNvPr id="1" name=""/>
+        <p:cNvGrpSpPr/>
+        <p:nvPr/>
+      </p:nvGrpSpPr>
+      <p:grpSpPr>
+        <a:xfrm>
+          <a:off x="0" y="0"/>
+          <a:ext cx="0" cy="0"/>
+          <a:chOff x="0" y="0"/>
+          <a:chExt cx="0" cy="0"/>
+        </a:xfrm>
+      </p:grpSpPr>
+      <p:sp>
+        <p:nvSpPr>
+          <p:cNvPr id="2" name="Title 1">
+            <a:extLst>
+              <a:ext uri="{FF2B5EF4-FFF2-40B4-BE49-F238E27FC236}">
                 <a16:creationId xmlns:a16="http://schemas.microsoft.com/office/drawing/2014/main" id="{9CE55AEE-9CED-3CF9-EE54-F549A446C5CA}"/>
               </a:ext>
             </a:extLst>
@@ -16381,7 +16500,7 @@
 </p:sld>
 </file>
 
-<file path=ppt/slides/slide27.xml><?xml version="1.0" encoding="utf-8"?>
+<file path=ppt/slides/slide28.xml><?xml version="1.0" encoding="utf-8"?>
 <p:sld xmlns:a="http://schemas.openxmlformats.org/drawingml/2006/main" xmlns:r="http://schemas.openxmlformats.org/officeDocument/2006/relationships" xmlns:p="http://schemas.openxmlformats.org/presentationml/2006/main">
   <p:cSld>
     <p:spTree>
